--- a/9_Presentazione/Wordcloud generator.pptx
+++ b/9_Presentazione/Wordcloud generator.pptx
@@ -5,7 +5,7 @@
     <p:sldMasterId id="2147483660" r:id="rId1"/>
   </p:sldMasterIdLst>
   <p:notesMasterIdLst>
-    <p:notesMasterId r:id="rId18"/>
+    <p:notesMasterId r:id="rId19"/>
   </p:notesMasterIdLst>
   <p:sldIdLst>
     <p:sldId id="256" r:id="rId2"/>
@@ -23,7 +23,8 @@
     <p:sldId id="263" r:id="rId14"/>
     <p:sldId id="264" r:id="rId15"/>
     <p:sldId id="265" r:id="rId16"/>
-    <p:sldId id="267" r:id="rId17"/>
+    <p:sldId id="273" r:id="rId17"/>
+    <p:sldId id="267" r:id="rId18"/>
   </p:sldIdLst>
   <p:sldSz cx="12192000" cy="6858000"/>
   <p:notesSz cx="6858000" cy="9144000"/>
@@ -1372,7 +1373,7 @@
           <a:p>
             <a:fld id="{921FD1D9-EFAB-4809-8A3B-D97EE16665CA}" type="slidenum">
               <a:rPr lang="it-CH" smtClean="0"/>
-              <a:t>16</a:t>
+              <a:t>17</a:t>
             </a:fld>
             <a:endParaRPr lang="it-CH"/>
           </a:p>
@@ -6568,7 +6569,7 @@
       </a:lvl9pPr>
     </p:otherStyle>
   </p:txStyles>
-  <p:extLst mod="1">
+  <p:extLst>
     <p:ext uri="{27BBF7A9-308A-43DC-89C8-2F10F3537804}">
       <p15:sldGuideLst xmlns:p15="http://schemas.microsoft.com/office/powerpoint/2012/main">
         <p15:guide id="3" orient="horz" pos="1368">
@@ -6693,7 +6694,7 @@
           <a:lstStyle/>
           <a:p>
             <a:r>
-              <a:rPr lang="fr-CH" dirty="0">
+              <a:rPr lang="fr-CH" sz="2800" dirty="0">
                 <a:solidFill>
                   <a:schemeClr val="bg1"/>
                 </a:solidFill>
@@ -6701,14 +6702,14 @@
               <a:t>Curiale, Monga, </a:t>
             </a:r>
             <a:r>
-              <a:rPr lang="fr-CH" dirty="0" err="1">
+              <a:rPr lang="fr-CH" sz="2800" dirty="0" err="1">
                 <a:solidFill>
                   <a:schemeClr val="bg1"/>
                 </a:solidFill>
               </a:rPr>
               <a:t>Ratti</a:t>
             </a:r>
-            <a:endParaRPr lang="fr-CH" dirty="0">
+            <a:endParaRPr lang="fr-CH" sz="2800" dirty="0">
               <a:solidFill>
                 <a:schemeClr val="bg1"/>
               </a:solidFill>
@@ -6716,7 +6717,7 @@
           </a:p>
           <a:p>
             <a:r>
-              <a:rPr lang="fr-CH" sz="2000" dirty="0">
+              <a:rPr lang="fr-CH" sz="2400" dirty="0">
                 <a:solidFill>
                   <a:schemeClr val="bg1"/>
                 </a:solidFill>
@@ -6845,6 +6846,20 @@
           <a:prstGeom prst="rect">
             <a:avLst/>
           </a:prstGeom>
+          <a:ln w="38100" cap="sq">
+            <a:solidFill>
+              <a:srgbClr val="000000"/>
+            </a:solidFill>
+            <a:prstDash val="solid"/>
+            <a:miter lim="800000"/>
+          </a:ln>
+          <a:effectLst>
+            <a:outerShdw blurRad="50800" dist="38100" dir="2700000" algn="tl" rotWithShape="0">
+              <a:srgbClr val="000000">
+                <a:alpha val="43000"/>
+              </a:srgbClr>
+            </a:outerShdw>
+          </a:effectLst>
         </p:spPr>
       </p:pic>
       <p:sp>
@@ -7087,6 +7102,18 @@
           <a:prstGeom prst="rect">
             <a:avLst/>
           </a:prstGeom>
+          <a:ln w="38100" cap="sq">
+            <a:noFill/>
+            <a:prstDash val="solid"/>
+            <a:miter lim="800000"/>
+          </a:ln>
+          <a:effectLst>
+            <a:outerShdw blurRad="50800" dist="38100" dir="2700000" algn="tl" rotWithShape="0">
+              <a:srgbClr val="000000">
+                <a:alpha val="43000"/>
+              </a:srgbClr>
+            </a:outerShdw>
+          </a:effectLst>
         </p:spPr>
       </p:pic>
       <p:pic>
@@ -7117,6 +7144,18 @@
           <a:prstGeom prst="rect">
             <a:avLst/>
           </a:prstGeom>
+          <a:ln w="38100" cap="sq">
+            <a:noFill/>
+            <a:prstDash val="solid"/>
+            <a:miter lim="800000"/>
+          </a:ln>
+          <a:effectLst>
+            <a:outerShdw blurRad="50800" dist="38100" dir="2700000" algn="tl" rotWithShape="0">
+              <a:srgbClr val="000000">
+                <a:alpha val="43000"/>
+              </a:srgbClr>
+            </a:outerShdw>
+          </a:effectLst>
         </p:spPr>
       </p:pic>
       <p:sp>
@@ -7464,49 +7503,32 @@
       </p:pic>
       <p:pic>
         <p:nvPicPr>
-          <p:cNvPr id="1034" name="Picture 10" descr="Modify Icons - Free SVG &amp; PNG Modify Images - Noun Project">
+          <p:cNvPr id="7" name="Immagine 6" descr="Immagine che contiene nero, oscurità&#10;&#10;Descrizione generata automaticamente">
             <a:extLst>
               <a:ext uri="{FF2B5EF4-FFF2-40B4-BE49-F238E27FC236}">
-                <a16:creationId xmlns:a16="http://schemas.microsoft.com/office/drawing/2014/main" id="{5BB7686D-0BC1-4179-80F8-F0398E926A42}"/>
+                <a16:creationId xmlns:a16="http://schemas.microsoft.com/office/drawing/2014/main" id="{419BD468-440B-EA55-E678-9835C73AD2F2}"/>
               </a:ext>
             </a:extLst>
           </p:cNvPr>
           <p:cNvPicPr>
-            <a:picLocks noChangeAspect="1" noChangeArrowheads="1"/>
+            <a:picLocks noChangeAspect="1"/>
           </p:cNvPicPr>
           <p:nvPr/>
         </p:nvPicPr>
         <p:blipFill>
-          <a:blip r:embed="rId5">
-            <a:extLst>
-              <a:ext uri="{28A0092B-C50C-407E-A947-70E740481C1C}">
-                <a14:useLocalDpi xmlns:a14="http://schemas.microsoft.com/office/drawing/2010/main" val="0"/>
-              </a:ext>
-            </a:extLst>
-          </a:blip>
-          <a:srcRect/>
+          <a:blip r:embed="rId5"/>
           <a:stretch>
             <a:fillRect/>
           </a:stretch>
         </p:blipFill>
-        <p:spPr bwMode="auto">
+        <p:spPr>
           <a:xfrm>
-            <a:off x="8724298" y="5034412"/>
-            <a:ext cx="1247273" cy="1247273"/>
+            <a:off x="8448775" y="4524676"/>
+            <a:ext cx="2047875" cy="2047875"/>
           </a:xfrm>
           <a:prstGeom prst="rect">
             <a:avLst/>
           </a:prstGeom>
-          <a:noFill/>
-          <a:extLst>
-            <a:ext uri="{909E8E84-426E-40DD-AFC4-6F175D3DCCD1}">
-              <a14:hiddenFill xmlns:a14="http://schemas.microsoft.com/office/drawing/2010/main">
-                <a:solidFill>
-                  <a:srgbClr val="FFFFFF"/>
-                </a:solidFill>
-              </a14:hiddenFill>
-            </a:ext>
-          </a:extLst>
         </p:spPr>
       </p:pic>
     </p:spTree>
@@ -7705,8 +7727,8 @@
         </p:blipFill>
         <p:spPr bwMode="auto">
           <a:xfrm>
-            <a:off x="6604532" y="1294200"/>
-            <a:ext cx="4878000" cy="4878000"/>
+            <a:off x="7109357" y="1278203"/>
+            <a:ext cx="4301593" cy="4301593"/>
           </a:xfrm>
           <a:prstGeom prst="rect">
             <a:avLst/>
@@ -7869,8 +7891,8 @@
         </p:blipFill>
         <p:spPr bwMode="auto">
           <a:xfrm>
-            <a:off x="6172200" y="990599"/>
-            <a:ext cx="4876800" cy="4876800"/>
+            <a:off x="6572251" y="1228724"/>
+            <a:ext cx="4400549" cy="4400549"/>
           </a:xfrm>
           <a:prstGeom prst="rect">
             <a:avLst/>
@@ -8134,6 +8156,219 @@
           <p:cNvPr id="2" name="Titolo 1">
             <a:extLst>
               <a:ext uri="{FF2B5EF4-FFF2-40B4-BE49-F238E27FC236}">
+                <a16:creationId xmlns:a16="http://schemas.microsoft.com/office/drawing/2014/main" id="{A2FD02EC-04F3-FFCE-CB61-8C5F5967D0DF}"/>
+              </a:ext>
+            </a:extLst>
+          </p:cNvPr>
+          <p:cNvSpPr>
+            <a:spLocks noGrp="1"/>
+          </p:cNvSpPr>
+          <p:nvPr>
+            <p:ph type="title"/>
+          </p:nvPr>
+        </p:nvSpPr>
+        <p:spPr/>
+        <p:txBody>
+          <a:bodyPr/>
+          <a:lstStyle/>
+          <a:p>
+            <a:r>
+              <a:rPr lang="it-CH" dirty="0"/>
+              <a:t>Fonti</a:t>
+            </a:r>
+          </a:p>
+        </p:txBody>
+      </p:sp>
+      <p:sp>
+        <p:nvSpPr>
+          <p:cNvPr id="3" name="Segnaposto contenuto 2">
+            <a:extLst>
+              <a:ext uri="{FF2B5EF4-FFF2-40B4-BE49-F238E27FC236}">
+                <a16:creationId xmlns:a16="http://schemas.microsoft.com/office/drawing/2014/main" id="{808C8C45-0DBE-CA19-F0E6-4714D7FCE7D9}"/>
+              </a:ext>
+            </a:extLst>
+          </p:cNvPr>
+          <p:cNvSpPr>
+            <a:spLocks noGrp="1"/>
+          </p:cNvSpPr>
+          <p:nvPr>
+            <p:ph idx="1"/>
+          </p:nvPr>
+        </p:nvSpPr>
+        <p:spPr>
+          <a:xfrm>
+            <a:off x="1371600" y="2171700"/>
+            <a:ext cx="10820400" cy="4343400"/>
+          </a:xfrm>
+        </p:spPr>
+        <p:txBody>
+          <a:bodyPr>
+            <a:normAutofit/>
+          </a:bodyPr>
+          <a:lstStyle/>
+          <a:p>
+            <a:r>
+              <a:rPr lang="it-CH" sz="3000" dirty="0">
+                <a:hlinkClick r:id="rId2">
+                  <a:extLst>
+                    <a:ext uri="{A12FA001-AC4F-418D-AE19-62706E023703}">
+                      <ahyp:hlinkClr xmlns:ahyp="http://schemas.microsoft.com/office/drawing/2018/hyperlinkcolor" val="tx"/>
+                    </a:ext>
+                  </a:extLst>
+                </a:hlinkClick>
+              </a:rPr>
+              <a:t>https://www.fluidui.com/</a:t>
+            </a:r>
+            <a:endParaRPr lang="it-CH" sz="3000" dirty="0"/>
+          </a:p>
+          <a:p>
+            <a:r>
+              <a:rPr lang="it-CH" sz="3000" dirty="0">
+                <a:hlinkClick r:id="rId3">
+                  <a:extLst>
+                    <a:ext uri="{A12FA001-AC4F-418D-AE19-62706E023703}">
+                      <ahyp:hlinkClr xmlns:ahyp="http://schemas.microsoft.com/office/drawing/2018/hyperlinkcolor" val="tx"/>
+                    </a:ext>
+                  </a:extLst>
+                </a:hlinkClick>
+              </a:rPr>
+              <a:t>https://thenounproject.com/icon/drag-and-drop-49665/</a:t>
+            </a:r>
+            <a:endParaRPr lang="it-CH" sz="3000" dirty="0"/>
+          </a:p>
+          <a:p>
+            <a:r>
+              <a:rPr lang="it-CH" sz="3000" dirty="0">
+                <a:hlinkClick r:id="rId4">
+                  <a:extLst>
+                    <a:ext uri="{A12FA001-AC4F-418D-AE19-62706E023703}">
+                      <ahyp:hlinkClr xmlns:ahyp="http://schemas.microsoft.com/office/drawing/2018/hyperlinkcolor" val="tx"/>
+                    </a:ext>
+                  </a:extLst>
+                </a:hlinkClick>
+              </a:rPr>
+              <a:t>https://thenounproject.com/icon/sizes-844736/</a:t>
+            </a:r>
+            <a:endParaRPr lang="it-CH" sz="3000" dirty="0"/>
+          </a:p>
+          <a:p>
+            <a:r>
+              <a:rPr lang="it-CH" sz="3000" dirty="0">
+                <a:hlinkClick r:id="rId5">
+                  <a:extLst>
+                    <a:ext uri="{A12FA001-AC4F-418D-AE19-62706E023703}">
+                      <ahyp:hlinkClr xmlns:ahyp="http://schemas.microsoft.com/office/drawing/2018/hyperlinkcolor" val="tx"/>
+                    </a:ext>
+                  </a:extLst>
+                </a:hlinkClick>
+              </a:rPr>
+              <a:t>https://thenounproject.com/icon/edit-1156170/</a:t>
+            </a:r>
+            <a:endParaRPr lang="it-CH" sz="3000" dirty="0"/>
+          </a:p>
+          <a:p>
+            <a:r>
+              <a:rPr lang="it-CH" sz="3000" dirty="0">
+                <a:hlinkClick r:id="rId6">
+                  <a:extLst>
+                    <a:ext uri="{A12FA001-AC4F-418D-AE19-62706E023703}">
+                      <ahyp:hlinkClr xmlns:ahyp="http://schemas.microsoft.com/office/drawing/2018/hyperlinkcolor" val="tx"/>
+                    </a:ext>
+                  </a:extLst>
+                </a:hlinkClick>
+              </a:rPr>
+              <a:t>https://cutewallpaper.org/24x/8ebsosf1l/2698919263.html</a:t>
+            </a:r>
+            <a:endParaRPr lang="it-CH" sz="3000" dirty="0"/>
+          </a:p>
+          <a:p>
+            <a:r>
+              <a:rPr lang="it-CH" sz="3000" dirty="0">
+                <a:hlinkClick r:id="rId7">
+                  <a:extLst>
+                    <a:ext uri="{A12FA001-AC4F-418D-AE19-62706E023703}">
+                      <ahyp:hlinkClr xmlns:ahyp="http://schemas.microsoft.com/office/drawing/2018/hyperlinkcolor" val="tx"/>
+                    </a:ext>
+                  </a:extLst>
+                </a:hlinkClick>
+              </a:rPr>
+              <a:t>https://www.flaticon.com/free-icon/teamwork_744355</a:t>
+            </a:r>
+            <a:endParaRPr lang="it-CH" sz="3000" dirty="0"/>
+          </a:p>
+          <a:p>
+            <a:r>
+              <a:rPr lang="it-CH" sz="3000" dirty="0">
+                <a:hlinkClick r:id="rId8">
+                  <a:extLst>
+                    <a:ext uri="{A12FA001-AC4F-418D-AE19-62706E023703}">
+                      <ahyp:hlinkClr xmlns:ahyp="http://schemas.microsoft.com/office/drawing/2018/hyperlinkcolor" val="tx"/>
+                    </a:ext>
+                  </a:extLst>
+                </a:hlinkClick>
+              </a:rPr>
+              <a:t>https://thenounproject.com/icon/conclusion-3777030/</a:t>
+            </a:r>
+            <a:endParaRPr lang="it-CH" sz="3000" dirty="0"/>
+          </a:p>
+          <a:p>
+            <a:endParaRPr lang="it-CH" dirty="0"/>
+          </a:p>
+          <a:p>
+            <a:endParaRPr lang="it-CH" dirty="0"/>
+          </a:p>
+          <a:p>
+            <a:endParaRPr lang="it-CH" dirty="0"/>
+          </a:p>
+        </p:txBody>
+      </p:sp>
+    </p:spTree>
+    <p:extLst>
+      <p:ext uri="{BB962C8B-B14F-4D97-AF65-F5344CB8AC3E}">
+        <p14:creationId xmlns:p14="http://schemas.microsoft.com/office/powerpoint/2010/main" val="4040900969"/>
+      </p:ext>
+    </p:extLst>
+  </p:cSld>
+  <p:clrMapOvr>
+    <a:masterClrMapping/>
+  </p:clrMapOvr>
+  <mc:AlternateContent xmlns:mc="http://schemas.openxmlformats.org/markup-compatibility/2006">
+    <mc:Choice xmlns:p14="http://schemas.microsoft.com/office/powerpoint/2010/main" Requires="p14">
+      <p:transition spd="med" p14:dur="700">
+        <p:fade/>
+      </p:transition>
+    </mc:Choice>
+    <mc:Fallback>
+      <p:transition spd="med">
+        <p:fade/>
+      </p:transition>
+    </mc:Fallback>
+  </mc:AlternateContent>
+</p:sld>
+</file>
+
+<file path=ppt/slides/slide17.xml><?xml version="1.0" encoding="utf-8"?>
+<p:sld xmlns:a="http://schemas.openxmlformats.org/drawingml/2006/main" xmlns:r="http://schemas.openxmlformats.org/officeDocument/2006/relationships" xmlns:p="http://schemas.openxmlformats.org/presentationml/2006/main">
+  <p:cSld>
+    <p:spTree>
+      <p:nvGrpSpPr>
+        <p:cNvPr id="1" name=""/>
+        <p:cNvGrpSpPr/>
+        <p:nvPr/>
+      </p:nvGrpSpPr>
+      <p:grpSpPr>
+        <a:xfrm>
+          <a:off x="0" y="0"/>
+          <a:ext cx="0" cy="0"/>
+          <a:chOff x="0" y="0"/>
+          <a:chExt cx="0" cy="0"/>
+        </a:xfrm>
+      </p:grpSpPr>
+      <p:sp>
+        <p:nvSpPr>
+          <p:cNvPr id="2" name="Titolo 1">
+            <a:extLst>
+              <a:ext uri="{FF2B5EF4-FFF2-40B4-BE49-F238E27FC236}">
                 <a16:creationId xmlns:a16="http://schemas.microsoft.com/office/drawing/2014/main" id="{D46BFF25-2B33-4C3B-B023-EB2352496FB8}"/>
               </a:ext>
             </a:extLst>
@@ -8236,7 +8471,7 @@
           <a:lstStyle/>
           <a:p>
             <a:r>
-              <a:rPr lang="fr-CH" sz="4800" dirty="0"/>
+              <a:rPr lang="fr-CH" dirty="0"/>
               <a:t>Indice</a:t>
             </a:r>
             <a:endParaRPr lang="it-CH" dirty="0"/>
@@ -8272,73 +8507,73 @@
           <a:lstStyle/>
           <a:p>
             <a:r>
-              <a:rPr lang="fr-CH" sz="3000" dirty="0" err="1"/>
+              <a:rPr lang="fr-CH" sz="2800" dirty="0" err="1"/>
               <a:t>Progetto</a:t>
             </a:r>
-            <a:endParaRPr lang="fr-CH" sz="3000" dirty="0"/>
-          </a:p>
-          <a:p>
-            <a:r>
-              <a:rPr lang="fr-CH" sz="3000" dirty="0" err="1"/>
+            <a:endParaRPr lang="fr-CH" sz="2800" dirty="0"/>
+          </a:p>
+          <a:p>
+            <a:r>
+              <a:rPr lang="fr-CH" sz="2800" dirty="0" err="1"/>
               <a:t>Pianificazione</a:t>
             </a:r>
-            <a:endParaRPr lang="fr-CH" sz="3000" dirty="0"/>
-          </a:p>
-          <a:p>
-            <a:r>
-              <a:rPr lang="fr-CH" sz="3000" dirty="0"/>
+            <a:endParaRPr lang="fr-CH" sz="2800" dirty="0"/>
+          </a:p>
+          <a:p>
+            <a:r>
+              <a:rPr lang="fr-CH" sz="2800" dirty="0"/>
               <a:t>Design</a:t>
             </a:r>
           </a:p>
           <a:p>
             <a:r>
-              <a:rPr lang="fr-CH" sz="3000" dirty="0"/>
+              <a:rPr lang="fr-CH" sz="2800" dirty="0"/>
               <a:t>Parte importante</a:t>
             </a:r>
           </a:p>
           <a:p>
             <a:r>
-              <a:rPr lang="fr-CH" sz="3000" dirty="0" err="1"/>
+              <a:rPr lang="fr-CH" sz="2800" dirty="0" err="1"/>
               <a:t>Mancanze</a:t>
             </a:r>
             <a:r>
-              <a:rPr lang="fr-CH" sz="3000" dirty="0"/>
+              <a:rPr lang="fr-CH" sz="2800" dirty="0"/>
               <a:t> </a:t>
             </a:r>
             <a:r>
-              <a:rPr lang="fr-CH" sz="3000" dirty="0" err="1"/>
+              <a:rPr lang="fr-CH" sz="2800" dirty="0" err="1"/>
               <a:t>conosciute</a:t>
             </a:r>
-            <a:endParaRPr lang="fr-CH" sz="3000" dirty="0"/>
-          </a:p>
-          <a:p>
-            <a:r>
-              <a:rPr lang="fr-CH" sz="3000" dirty="0" err="1"/>
+            <a:endParaRPr lang="fr-CH" sz="2800" dirty="0"/>
+          </a:p>
+          <a:p>
+            <a:r>
+              <a:rPr lang="fr-CH" sz="2800" dirty="0" err="1"/>
               <a:t>Sviluppi</a:t>
             </a:r>
             <a:r>
-              <a:rPr lang="fr-CH" sz="3000" dirty="0"/>
+              <a:rPr lang="fr-CH" sz="2800" dirty="0"/>
               <a:t> </a:t>
             </a:r>
             <a:r>
-              <a:rPr lang="fr-CH" sz="3000" dirty="0" err="1"/>
+              <a:rPr lang="fr-CH" sz="2800" dirty="0" err="1"/>
               <a:t>futuri</a:t>
             </a:r>
-            <a:endParaRPr lang="fr-CH" sz="3000" dirty="0"/>
-          </a:p>
-          <a:p>
-            <a:r>
-              <a:rPr lang="fr-CH" sz="3000" dirty="0" err="1"/>
+            <a:endParaRPr lang="fr-CH" sz="2800" dirty="0"/>
+          </a:p>
+          <a:p>
+            <a:r>
+              <a:rPr lang="fr-CH" sz="2800" dirty="0" err="1"/>
               <a:t>Teamwork</a:t>
             </a:r>
-            <a:endParaRPr lang="fr-CH" sz="3000" dirty="0"/>
-          </a:p>
-          <a:p>
-            <a:r>
-              <a:rPr lang="fr-CH" sz="3000" dirty="0" err="1"/>
+            <a:endParaRPr lang="fr-CH" sz="2800" dirty="0"/>
+          </a:p>
+          <a:p>
+            <a:r>
+              <a:rPr lang="fr-CH" sz="2800" dirty="0" err="1"/>
               <a:t>Conclusioni</a:t>
             </a:r>
-            <a:endParaRPr lang="fr-CH" sz="3000" dirty="0"/>
+            <a:endParaRPr lang="fr-CH" sz="2800" dirty="0"/>
           </a:p>
           <a:p>
             <a:endParaRPr lang="it-CH" dirty="0"/>
@@ -8434,7 +8669,7 @@
         </p:nvSpPr>
         <p:spPr>
           <a:xfrm>
-            <a:off x="1371600" y="2526630"/>
+            <a:off x="1371600" y="1952322"/>
             <a:ext cx="5982101" cy="2953353"/>
           </a:xfrm>
         </p:spPr>
@@ -8524,7 +8759,7 @@
         </p:blipFill>
         <p:spPr>
           <a:xfrm>
-            <a:off x="6722712" y="1378016"/>
+            <a:off x="6722712" y="1378014"/>
             <a:ext cx="5469288" cy="4101967"/>
           </a:xfrm>
           <a:prstGeom prst="rect">
@@ -8592,13 +8827,13 @@
         </p:nvSpPr>
         <p:spPr>
           <a:xfrm>
-            <a:off x="750771" y="0"/>
-            <a:ext cx="3022332" cy="635267"/>
+            <a:off x="703145" y="1"/>
+            <a:ext cx="4487979" cy="739316"/>
           </a:xfrm>
         </p:spPr>
         <p:txBody>
           <a:bodyPr>
-            <a:normAutofit fontScale="90000"/>
+            <a:normAutofit/>
           </a:bodyPr>
           <a:lstStyle/>
           <a:p>
@@ -8660,12 +8895,26 @@
         </p:blipFill>
         <p:spPr>
           <a:xfrm>
-            <a:off x="708000" y="635267"/>
-            <a:ext cx="11484000" cy="6145737"/>
+            <a:off x="999241" y="739316"/>
+            <a:ext cx="10949035" cy="5859447"/>
           </a:xfrm>
           <a:prstGeom prst="rect">
             <a:avLst/>
           </a:prstGeom>
+          <a:ln w="38100" cap="sq">
+            <a:solidFill>
+              <a:srgbClr val="000000"/>
+            </a:solidFill>
+            <a:prstDash val="solid"/>
+            <a:miter lim="800000"/>
+          </a:ln>
+          <a:effectLst>
+            <a:outerShdw blurRad="50800" dist="38100" dir="2700000" algn="tl" rotWithShape="0">
+              <a:srgbClr val="000000">
+                <a:alpha val="43000"/>
+              </a:srgbClr>
+            </a:outerShdw>
+          </a:effectLst>
         </p:spPr>
       </p:pic>
     </p:spTree>
@@ -8729,24 +8978,24 @@
         <p:spPr>
           <a:xfrm>
             <a:off x="707457" y="0"/>
-            <a:ext cx="3874168" cy="606392"/>
+            <a:ext cx="4255068" cy="606392"/>
           </a:xfrm>
         </p:spPr>
         <p:txBody>
           <a:bodyPr>
-            <a:normAutofit fontScale="90000"/>
+            <a:noAutofit/>
           </a:bodyPr>
           <a:lstStyle/>
           <a:p>
             <a:r>
-              <a:rPr lang="fr-CH" sz="4000" dirty="0"/>
+              <a:rPr lang="fr-CH" dirty="0"/>
               <a:t>Gantt </a:t>
             </a:r>
             <a:r>
               <a:rPr lang="fr-CH" dirty="0" err="1"/>
               <a:t>consuntivo</a:t>
             </a:r>
-            <a:endParaRPr lang="it-CH" sz="4000" dirty="0"/>
+            <a:endParaRPr lang="it-CH" dirty="0"/>
           </a:p>
         </p:txBody>
       </p:sp>
@@ -8774,12 +9023,26 @@
         </p:blipFill>
         <p:spPr>
           <a:xfrm>
-            <a:off x="707457" y="606392"/>
-            <a:ext cx="11484543" cy="5969625"/>
+            <a:off x="961981" y="842062"/>
+            <a:ext cx="10947600" cy="5690524"/>
           </a:xfrm>
           <a:prstGeom prst="rect">
             <a:avLst/>
           </a:prstGeom>
+          <a:ln w="38100" cap="sq">
+            <a:solidFill>
+              <a:srgbClr val="000000"/>
+            </a:solidFill>
+            <a:prstDash val="solid"/>
+            <a:miter lim="800000"/>
+          </a:ln>
+          <a:effectLst>
+            <a:outerShdw blurRad="50800" dist="38100" dir="2700000" algn="tl" rotWithShape="0">
+              <a:srgbClr val="000000">
+                <a:alpha val="43000"/>
+              </a:srgbClr>
+            </a:outerShdw>
+          </a:effectLst>
         </p:spPr>
       </p:pic>
       <p:sp>
@@ -8796,8 +9059,8 @@
         </p:nvSpPr>
         <p:spPr>
           <a:xfrm>
-            <a:off x="707457" y="2367815"/>
-            <a:ext cx="11083490" cy="154004"/>
+            <a:off x="981301" y="2533649"/>
+            <a:ext cx="10512993" cy="136533"/>
           </a:xfrm>
           <a:prstGeom prst="rect">
             <a:avLst/>
@@ -8805,7 +9068,7 @@
           <a:noFill/>
           <a:ln w="28575" cap="flat" cmpd="sng" algn="ctr">
             <a:solidFill>
-              <a:schemeClr val="accent5"/>
+              <a:srgbClr val="C00000"/>
             </a:solidFill>
             <a:prstDash val="solid"/>
             <a:round/>
@@ -8850,8 +9113,8 @@
         </p:nvSpPr>
         <p:spPr>
           <a:xfrm>
-            <a:off x="707457" y="2778493"/>
-            <a:ext cx="8106076" cy="154004"/>
+            <a:off x="961981" y="2906220"/>
+            <a:ext cx="7737519" cy="154004"/>
           </a:xfrm>
           <a:prstGeom prst="rect">
             <a:avLst/>
@@ -8859,7 +9122,7 @@
           <a:noFill/>
           <a:ln w="28575" cap="flat" cmpd="sng" algn="ctr">
             <a:solidFill>
-              <a:schemeClr val="accent5"/>
+              <a:srgbClr val="C00000"/>
             </a:solidFill>
             <a:prstDash val="solid"/>
             <a:round/>
@@ -8904,8 +9167,8 @@
         </p:nvSpPr>
         <p:spPr>
           <a:xfrm>
-            <a:off x="707457" y="4129237"/>
-            <a:ext cx="11083490" cy="269507"/>
+            <a:off x="961981" y="4227015"/>
+            <a:ext cx="10532313" cy="244973"/>
           </a:xfrm>
           <a:prstGeom prst="rect">
             <a:avLst/>
@@ -8913,7 +9176,7 @@
           <a:noFill/>
           <a:ln w="28575" cap="flat" cmpd="sng" algn="ctr">
             <a:solidFill>
-              <a:schemeClr val="accent5"/>
+              <a:srgbClr val="C00000"/>
             </a:solidFill>
             <a:prstDash val="solid"/>
             <a:round/>
@@ -9005,12 +9268,12 @@
         <p:spPr>
           <a:xfrm>
             <a:off x="707457" y="0"/>
-            <a:ext cx="3344779" cy="623236"/>
+            <a:ext cx="3693093" cy="623236"/>
           </a:xfrm>
         </p:spPr>
         <p:txBody>
           <a:bodyPr>
-            <a:normAutofit fontScale="90000"/>
+            <a:noAutofit/>
           </a:bodyPr>
           <a:lstStyle/>
           <a:p>
@@ -9050,12 +9313,26 @@
         </p:blipFill>
         <p:spPr>
           <a:xfrm>
-            <a:off x="707456" y="818147"/>
-            <a:ext cx="11484543" cy="5718873"/>
+            <a:off x="955106" y="951496"/>
+            <a:ext cx="10947600" cy="5451496"/>
           </a:xfrm>
           <a:prstGeom prst="rect">
             <a:avLst/>
           </a:prstGeom>
+          <a:ln w="38100" cap="sq">
+            <a:solidFill>
+              <a:srgbClr val="000000"/>
+            </a:solidFill>
+            <a:prstDash val="solid"/>
+            <a:miter lim="800000"/>
+          </a:ln>
+          <a:effectLst>
+            <a:outerShdw blurRad="50800" dist="38100" dir="2700000" algn="tl" rotWithShape="0">
+              <a:srgbClr val="000000">
+                <a:alpha val="43000"/>
+              </a:srgbClr>
+            </a:outerShdw>
+          </a:effectLst>
         </p:spPr>
       </p:pic>
     </p:spTree>
@@ -9119,12 +9396,12 @@
         <p:spPr>
           <a:xfrm>
             <a:off x="697831" y="0"/>
-            <a:ext cx="2266749" cy="632861"/>
+            <a:ext cx="2454944" cy="632861"/>
           </a:xfrm>
         </p:spPr>
         <p:txBody>
           <a:bodyPr>
-            <a:normAutofit fontScale="90000"/>
+            <a:noAutofit/>
           </a:bodyPr>
           <a:lstStyle/>
           <a:p>
@@ -9160,12 +9437,26 @@
         </p:blipFill>
         <p:spPr>
           <a:xfrm>
-            <a:off x="1611580" y="546233"/>
-            <a:ext cx="8968840" cy="6225139"/>
+            <a:off x="1945413" y="632861"/>
+            <a:ext cx="8301174" cy="5761722"/>
           </a:xfrm>
           <a:prstGeom prst="rect">
             <a:avLst/>
           </a:prstGeom>
+          <a:ln w="38100" cap="sq">
+            <a:solidFill>
+              <a:srgbClr val="000000"/>
+            </a:solidFill>
+            <a:prstDash val="solid"/>
+            <a:miter lim="800000"/>
+          </a:ln>
+          <a:effectLst>
+            <a:outerShdw blurRad="50800" dist="38100" dir="2700000" algn="tl" rotWithShape="0">
+              <a:srgbClr val="000000">
+                <a:alpha val="43000"/>
+              </a:srgbClr>
+            </a:outerShdw>
+          </a:effectLst>
         </p:spPr>
       </p:pic>
       <p:sp>
@@ -9182,7 +9473,7 @@
         </p:nvSpPr>
         <p:spPr>
           <a:xfrm>
-            <a:off x="8970745" y="2964580"/>
+            <a:off x="8732620" y="2850280"/>
             <a:ext cx="519765" cy="346510"/>
           </a:xfrm>
           <a:prstGeom prst="mathMultiply">
@@ -9284,13 +9575,13 @@
         </p:nvSpPr>
         <p:spPr>
           <a:xfrm>
-            <a:off x="707457" y="0"/>
-            <a:ext cx="6251608" cy="671362"/>
+            <a:off x="707457" y="-1"/>
+            <a:ext cx="6251608" cy="771526"/>
           </a:xfrm>
         </p:spPr>
         <p:txBody>
           <a:bodyPr>
-            <a:normAutofit fontScale="90000"/>
+            <a:normAutofit/>
           </a:bodyPr>
           <a:lstStyle/>
           <a:p>
@@ -9337,9 +9628,26 @@
         </p:blipFill>
         <p:spPr>
           <a:xfrm>
-            <a:off x="1733631" y="698500"/>
-            <a:ext cx="9074069" cy="6080502"/>
+            <a:off x="1677418" y="771525"/>
+            <a:ext cx="8837163" cy="5921752"/>
           </a:xfrm>
+          <a:prstGeom prst="rect">
+            <a:avLst/>
+          </a:prstGeom>
+          <a:ln w="38100" cap="sq">
+            <a:solidFill>
+              <a:srgbClr val="000000"/>
+            </a:solidFill>
+            <a:prstDash val="solid"/>
+            <a:miter lim="800000"/>
+          </a:ln>
+          <a:effectLst>
+            <a:outerShdw blurRad="50800" dist="38100" dir="2700000" algn="tl" rotWithShape="0">
+              <a:srgbClr val="000000">
+                <a:alpha val="43000"/>
+              </a:srgbClr>
+            </a:outerShdw>
+          </a:effectLst>
         </p:spPr>
       </p:pic>
     </p:spTree>
@@ -9402,7 +9710,7 @@
         </p:nvSpPr>
         <p:spPr>
           <a:xfrm>
-            <a:off x="668956" y="0"/>
+            <a:off x="710231" y="0"/>
             <a:ext cx="5905099" cy="712269"/>
           </a:xfrm>
         </p:spPr>
@@ -9413,18 +9721,18 @@
           <a:lstStyle/>
           <a:p>
             <a:r>
-              <a:rPr lang="fr-CH" sz="4000" dirty="0"/>
+              <a:rPr lang="fr-CH" dirty="0"/>
               <a:t>Design </a:t>
             </a:r>
             <a:r>
-              <a:rPr lang="fr-CH" sz="4000" dirty="0" err="1"/>
+              <a:rPr lang="fr-CH" dirty="0" err="1"/>
               <a:t>interfaccia</a:t>
             </a:r>
             <a:r>
-              <a:rPr lang="fr-CH" sz="4000" dirty="0"/>
+              <a:rPr lang="fr-CH" dirty="0"/>
               <a:t> finale</a:t>
             </a:r>
-            <a:endParaRPr lang="it-CH" sz="4000" dirty="0"/>
+            <a:endParaRPr lang="it-CH" dirty="0"/>
           </a:p>
         </p:txBody>
       </p:sp>
@@ -9451,9 +9759,26 @@
         </p:blipFill>
         <p:spPr>
           <a:xfrm>
-            <a:off x="1699650" y="747713"/>
-            <a:ext cx="9119146" cy="6050750"/>
+            <a:off x="1626147" y="712269"/>
+            <a:ext cx="8939706" cy="5931688"/>
           </a:xfrm>
+          <a:prstGeom prst="rect">
+            <a:avLst/>
+          </a:prstGeom>
+          <a:ln w="38100" cap="sq">
+            <a:solidFill>
+              <a:srgbClr val="000000"/>
+            </a:solidFill>
+            <a:prstDash val="solid"/>
+            <a:miter lim="800000"/>
+          </a:ln>
+          <a:effectLst>
+            <a:outerShdw blurRad="50800" dist="38100" dir="2700000" algn="tl" rotWithShape="0">
+              <a:srgbClr val="000000">
+                <a:alpha val="43000"/>
+              </a:srgbClr>
+            </a:outerShdw>
+          </a:effectLst>
         </p:spPr>
       </p:pic>
     </p:spTree>
